--- a/presentation.pptx
+++ b/presentation.pptx
@@ -3349,7 +3349,7 @@
         </p:nvSpPr>
         <p:spPr>
           <a:xfrm>
-            <a:off x="871959" y="1122363"/>
+            <a:off x="871959" y="1734922"/>
             <a:ext cx="10448082" cy="2387600"/>
           </a:xfrm>
         </p:spPr>
@@ -3361,14 +3361,14 @@
           <a:p>
             <a:r>
               <a:rPr lang="en-US" dirty="0"/>
-              <a:t> Blast Database: Orthologs between yeast (6002 proteins) and</a:t>
+              <a:t> Blast Database: Finding orthologs between yeast (6002) and </a:t>
             </a:r>
             <a:br>
               <a:rPr lang="en-US" dirty="0"/>
             </a:br>
             <a:r>
               <a:rPr lang="en-US" dirty="0"/>
-              <a:t>humans (113275 proteins)</a:t>
+              <a:t>humans (113275)</a:t>
             </a:r>
           </a:p>
         </p:txBody>
@@ -3389,7 +3389,12 @@
             <p:ph type="subTitle" idx="1"/>
           </p:nvPr>
         </p:nvSpPr>
-        <p:spPr/>
+        <p:spPr>
+          <a:xfrm>
+            <a:off x="1524000" y="4214597"/>
+            <a:ext cx="9144000" cy="1655762"/>
+          </a:xfrm>
+        </p:spPr>
         <p:txBody>
           <a:bodyPr/>
           <a:lstStyle/>
@@ -3403,6 +3408,69 @@
             <a:r>
               <a:rPr lang="en-US" dirty="0"/>
               <a:t>Dec. 20, 2019</a:t>
+            </a:r>
+          </a:p>
+        </p:txBody>
+      </p:sp>
+      <p:sp>
+        <p:nvSpPr>
+          <p:cNvPr id="4" name="TextBox 3">
+            <a:extLst>
+              <a:ext uri="{FF2B5EF4-FFF2-40B4-BE49-F238E27FC236}">
+                <a16:creationId xmlns:a16="http://schemas.microsoft.com/office/drawing/2014/main" id="{2D816BF8-90D4-6A45-B0A3-C6266AFACEE9}"/>
+              </a:ext>
+            </a:extLst>
+          </p:cNvPr>
+          <p:cNvSpPr txBox="1"/>
+          <p:nvPr/>
+        </p:nvSpPr>
+        <p:spPr>
+          <a:xfrm>
+            <a:off x="3463290" y="5657850"/>
+            <a:ext cx="4427046" cy="369332"/>
+          </a:xfrm>
+          <a:prstGeom prst="rect">
+            <a:avLst/>
+          </a:prstGeom>
+          <a:noFill/>
+        </p:spPr>
+        <p:txBody>
+          <a:bodyPr wrap="none" rtlCol="0">
+            <a:spAutoFit/>
+          </a:bodyPr>
+          <a:lstStyle/>
+          <a:p>
+            <a:r>
+              <a:rPr lang="en-US" dirty="0" err="1">
+                <a:solidFill>
+                  <a:srgbClr val="00B0F0"/>
+                </a:solidFill>
+              </a:rPr>
+              <a:t>github.com</a:t>
+            </a:r>
+            <a:r>
+              <a:rPr lang="en-US" dirty="0">
+                <a:solidFill>
+                  <a:srgbClr val="00B0F0"/>
+                </a:solidFill>
+              </a:rPr>
+              <a:t>/</a:t>
+            </a:r>
+            <a:r>
+              <a:rPr lang="en-US" dirty="0" err="1">
+                <a:solidFill>
+                  <a:srgbClr val="00B0F0"/>
+                </a:solidFill>
+              </a:rPr>
+              <a:t>greenkidneybean</a:t>
+            </a:r>
+            <a:r>
+              <a:rPr lang="en-US" dirty="0">
+                <a:solidFill>
+                  <a:srgbClr val="00B0F0"/>
+                </a:solidFill>
+              </a:rPr>
+              <a:t>/bchb524_final</a:t>
             </a:r>
           </a:p>
         </p:txBody>
@@ -5042,7 +5110,48 @@
           <a:p>
             <a:r>
               <a:rPr lang="en-US" dirty="0"/>
-              <a:t>Database Structure</a:t>
+              <a:t>Data and database structure</a:t>
+            </a:r>
+          </a:p>
+        </p:txBody>
+      </p:sp>
+      <p:sp>
+        <p:nvSpPr>
+          <p:cNvPr id="3" name="Content Placeholder 2">
+            <a:extLst>
+              <a:ext uri="{FF2B5EF4-FFF2-40B4-BE49-F238E27FC236}">
+                <a16:creationId xmlns:a16="http://schemas.microsoft.com/office/drawing/2014/main" id="{884B6E23-9322-6A40-8132-BE5296FB47FC}"/>
+              </a:ext>
+            </a:extLst>
+          </p:cNvPr>
+          <p:cNvSpPr>
+            <a:spLocks noGrp="1"/>
+          </p:cNvSpPr>
+          <p:nvPr>
+            <p:ph idx="1"/>
+          </p:nvPr>
+        </p:nvSpPr>
+        <p:spPr>
+          <a:xfrm>
+            <a:off x="838200" y="1825625"/>
+            <a:ext cx="10515600" cy="1786255"/>
+          </a:xfrm>
+        </p:spPr>
+        <p:txBody>
+          <a:bodyPr/>
+          <a:lstStyle/>
+          <a:p>
+            <a:r>
+              <a:rPr lang="en-US" dirty="0"/>
+              <a:t>Humans: </a:t>
+            </a:r>
+            <a:r>
+              <a:rPr lang="en-US" dirty="0" err="1"/>
+              <a:t>RefSeq</a:t>
+            </a:r>
+            <a:r>
+              <a:rPr lang="en-US" dirty="0"/>
+              <a:t> </a:t>
             </a:r>
           </a:p>
         </p:txBody>
@@ -5062,13 +5171,13 @@
           <p:nvPr>
             <p:extLst>
               <p:ext uri="{D42A27DB-BD31-4B8C-83A1-F6EECF244321}">
-                <p14:modId xmlns:p14="http://schemas.microsoft.com/office/powerpoint/2010/main" val="3799735738"/>
+                <p14:modId xmlns:p14="http://schemas.microsoft.com/office/powerpoint/2010/main" val="3276344830"/>
               </p:ext>
             </p:extLst>
           </p:nvPr>
         </p:nvGraphicFramePr>
         <p:xfrm>
-          <a:off x="625532" y="1690688"/>
+          <a:off x="625532" y="3865717"/>
           <a:ext cx="10940936" cy="2560320"/>
         </p:xfrm>
         <a:graphic>
@@ -5766,6 +5875,53 @@
             </a:r>
           </a:p>
           <a:p>
+            <a:endParaRPr lang="en-US" dirty="0"/>
+          </a:p>
+          <a:p>
+            <a:r>
+              <a:rPr lang="en-US" dirty="0"/>
+              <a:t>Further interest: </a:t>
+            </a:r>
+            <a:r>
+              <a:rPr lang="en-US" dirty="0" err="1">
+                <a:solidFill>
+                  <a:srgbClr val="00B0F0"/>
+                </a:solidFill>
+              </a:rPr>
+              <a:t>github.com</a:t>
+            </a:r>
+            <a:r>
+              <a:rPr lang="en-US" dirty="0">
+                <a:solidFill>
+                  <a:srgbClr val="00B0F0"/>
+                </a:solidFill>
+              </a:rPr>
+              <a:t>/</a:t>
+            </a:r>
+            <a:r>
+              <a:rPr lang="en-US" dirty="0" err="1">
+                <a:solidFill>
+                  <a:srgbClr val="00B0F0"/>
+                </a:solidFill>
+              </a:rPr>
+              <a:t>greenkidneybean</a:t>
+            </a:r>
+            <a:r>
+              <a:rPr lang="en-US" dirty="0">
+                <a:solidFill>
+                  <a:srgbClr val="00B0F0"/>
+                </a:solidFill>
+              </a:rPr>
+              <a:t>/bchb524_final</a:t>
+            </a:r>
+          </a:p>
+          <a:p>
+            <a:pPr marL="0" indent="0">
+              <a:buNone/>
+            </a:pPr>
+            <a:endParaRPr lang="en-US" dirty="0"/>
+          </a:p>
+          <a:p>
             <a:pPr lvl="1"/>
             <a:endParaRPr lang="en-US" dirty="0"/>
           </a:p>

--- a/presentation.pptx
+++ b/presentation.pptx
@@ -10,7 +10,8 @@
     <p:sldId id="258" r:id="rId4"/>
     <p:sldId id="259" r:id="rId5"/>
     <p:sldId id="260" r:id="rId6"/>
-    <p:sldId id="261" r:id="rId7"/>
+    <p:sldId id="262" r:id="rId7"/>
+    <p:sldId id="261" r:id="rId8"/>
   </p:sldIdLst>
   <p:sldSz cx="12192000" cy="6858000"/>
   <p:notesSz cx="6858000" cy="9144000"/>
@@ -3410,35 +3411,6 @@
               <a:t>Dec. 20, 2019</a:t>
             </a:r>
           </a:p>
-        </p:txBody>
-      </p:sp>
-      <p:sp>
-        <p:nvSpPr>
-          <p:cNvPr id="4" name="TextBox 3">
-            <a:extLst>
-              <a:ext uri="{FF2B5EF4-FFF2-40B4-BE49-F238E27FC236}">
-                <a16:creationId xmlns:a16="http://schemas.microsoft.com/office/drawing/2014/main" id="{2D816BF8-90D4-6A45-B0A3-C6266AFACEE9}"/>
-              </a:ext>
-            </a:extLst>
-          </p:cNvPr>
-          <p:cNvSpPr txBox="1"/>
-          <p:nvPr/>
-        </p:nvSpPr>
-        <p:spPr>
-          <a:xfrm>
-            <a:off x="3463290" y="5657850"/>
-            <a:ext cx="4427046" cy="369332"/>
-          </a:xfrm>
-          <a:prstGeom prst="rect">
-            <a:avLst/>
-          </a:prstGeom>
-          <a:noFill/>
-        </p:spPr>
-        <p:txBody>
-          <a:bodyPr wrap="none" rtlCol="0">
-            <a:spAutoFit/>
-          </a:bodyPr>
-          <a:lstStyle/>
           <a:p>
             <a:r>
               <a:rPr lang="en-US" dirty="0" err="1">
@@ -3551,7 +3523,7 @@
         </p:nvSpPr>
         <p:spPr>
           <a:xfrm>
-            <a:off x="838200" y="1825625"/>
+            <a:off x="838200" y="2977092"/>
             <a:ext cx="10515600" cy="1373223"/>
           </a:xfrm>
         </p:spPr>
@@ -3588,272 +3560,12 @@
           </a:p>
         </p:txBody>
       </p:sp>
-      <p:sp>
-        <p:nvSpPr>
-          <p:cNvPr id="4" name="Oval 3">
-            <a:extLst>
-              <a:ext uri="{FF2B5EF4-FFF2-40B4-BE49-F238E27FC236}">
-                <a16:creationId xmlns:a16="http://schemas.microsoft.com/office/drawing/2014/main" id="{C8DDFA2D-B44C-F943-BAD5-B7B869ED5FC1}"/>
-              </a:ext>
-            </a:extLst>
-          </p:cNvPr>
-          <p:cNvSpPr/>
-          <p:nvPr/>
-        </p:nvSpPr>
-        <p:spPr>
-          <a:xfrm>
-            <a:off x="7194176" y="2326341"/>
-            <a:ext cx="847165" cy="847165"/>
-          </a:xfrm>
-          <a:prstGeom prst="ellipse">
-            <a:avLst/>
-          </a:prstGeom>
-          <a:solidFill>
-            <a:srgbClr val="FFC000"/>
-          </a:solidFill>
-          <a:ln>
-            <a:noFill/>
-          </a:ln>
-        </p:spPr>
-        <p:style>
-          <a:lnRef idx="2">
-            <a:schemeClr val="accent1">
-              <a:shade val="50000"/>
-            </a:schemeClr>
-          </a:lnRef>
-          <a:fillRef idx="1">
-            <a:schemeClr val="accent1"/>
-          </a:fillRef>
-          <a:effectRef idx="0">
-            <a:schemeClr val="accent1"/>
-          </a:effectRef>
-          <a:fontRef idx="minor">
-            <a:schemeClr val="lt1"/>
-          </a:fontRef>
-        </p:style>
-        <p:txBody>
-          <a:bodyPr rtlCol="0" anchor="ctr"/>
-          <a:lstStyle/>
-          <a:p>
-            <a:pPr algn="ctr"/>
-            <a:endParaRPr lang="en-US"/>
-          </a:p>
-        </p:txBody>
-      </p:sp>
-      <p:sp>
-        <p:nvSpPr>
-          <p:cNvPr id="5" name="Oval 4">
-            <a:extLst>
-              <a:ext uri="{FF2B5EF4-FFF2-40B4-BE49-F238E27FC236}">
-                <a16:creationId xmlns:a16="http://schemas.microsoft.com/office/drawing/2014/main" id="{05BA3E18-C406-334B-A15D-78C9046CA40D}"/>
-              </a:ext>
-            </a:extLst>
-          </p:cNvPr>
-          <p:cNvSpPr/>
-          <p:nvPr/>
-        </p:nvSpPr>
-        <p:spPr>
-          <a:xfrm>
-            <a:off x="8706970" y="2326341"/>
-            <a:ext cx="847165" cy="847165"/>
-          </a:xfrm>
-          <a:prstGeom prst="ellipse">
-            <a:avLst/>
-          </a:prstGeom>
-          <a:solidFill>
-            <a:srgbClr val="00B0F0"/>
-          </a:solidFill>
-          <a:ln>
-            <a:noFill/>
-          </a:ln>
-        </p:spPr>
-        <p:style>
-          <a:lnRef idx="2">
-            <a:schemeClr val="accent1">
-              <a:shade val="50000"/>
-            </a:schemeClr>
-          </a:lnRef>
-          <a:fillRef idx="1">
-            <a:schemeClr val="accent1"/>
-          </a:fillRef>
-          <a:effectRef idx="0">
-            <a:schemeClr val="accent1"/>
-          </a:effectRef>
-          <a:fontRef idx="minor">
-            <a:schemeClr val="lt1"/>
-          </a:fontRef>
-        </p:style>
-        <p:txBody>
-          <a:bodyPr rtlCol="0" anchor="ctr"/>
-          <a:lstStyle/>
-          <a:p>
-            <a:pPr algn="ctr"/>
-            <a:endParaRPr lang="en-US"/>
-          </a:p>
-        </p:txBody>
-      </p:sp>
-      <p:cxnSp>
-        <p:nvCxnSpPr>
-          <p:cNvPr id="12" name="Straight Arrow Connector 11">
-            <a:extLst>
-              <a:ext uri="{FF2B5EF4-FFF2-40B4-BE49-F238E27FC236}">
-                <a16:creationId xmlns:a16="http://schemas.microsoft.com/office/drawing/2014/main" id="{B95A1945-A59E-C249-BEAA-61C498D512F5}"/>
-              </a:ext>
-            </a:extLst>
-          </p:cNvPr>
-          <p:cNvCxnSpPr/>
-          <p:nvPr/>
-        </p:nvCxnSpPr>
-        <p:spPr>
-          <a:xfrm>
-            <a:off x="8162365" y="2568388"/>
-            <a:ext cx="443753" cy="0"/>
-          </a:xfrm>
-          <a:prstGeom prst="straightConnector1">
-            <a:avLst/>
-          </a:prstGeom>
-          <a:ln w="63500">
-            <a:solidFill>
-              <a:srgbClr val="00B050"/>
-            </a:solidFill>
-            <a:tailEnd type="triangle"/>
-          </a:ln>
-        </p:spPr>
-        <p:style>
-          <a:lnRef idx="1">
-            <a:schemeClr val="accent1"/>
-          </a:lnRef>
-          <a:fillRef idx="0">
-            <a:schemeClr val="accent1"/>
-          </a:fillRef>
-          <a:effectRef idx="0">
-            <a:schemeClr val="accent1"/>
-          </a:effectRef>
-          <a:fontRef idx="minor">
-            <a:schemeClr val="tx1"/>
-          </a:fontRef>
-        </p:style>
-      </p:cxnSp>
-      <p:cxnSp>
-        <p:nvCxnSpPr>
-          <p:cNvPr id="13" name="Straight Arrow Connector 12">
-            <a:extLst>
-              <a:ext uri="{FF2B5EF4-FFF2-40B4-BE49-F238E27FC236}">
-                <a16:creationId xmlns:a16="http://schemas.microsoft.com/office/drawing/2014/main" id="{9D77A85C-E96A-8F42-8569-E452BED3AF6D}"/>
-              </a:ext>
-            </a:extLst>
-          </p:cNvPr>
-          <p:cNvCxnSpPr>
-            <a:cxnSpLocks/>
-          </p:cNvCxnSpPr>
-          <p:nvPr/>
-        </p:nvCxnSpPr>
-        <p:spPr>
-          <a:xfrm flipH="1">
-            <a:off x="8162365" y="2867368"/>
-            <a:ext cx="395903" cy="0"/>
-          </a:xfrm>
-          <a:prstGeom prst="straightConnector1">
-            <a:avLst/>
-          </a:prstGeom>
-          <a:ln w="63500">
-            <a:solidFill>
-              <a:srgbClr val="00B050"/>
-            </a:solidFill>
-            <a:tailEnd type="triangle"/>
-          </a:ln>
-        </p:spPr>
-        <p:style>
-          <a:lnRef idx="1">
-            <a:schemeClr val="accent1"/>
-          </a:lnRef>
-          <a:fillRef idx="0">
-            <a:schemeClr val="accent1"/>
-          </a:fillRef>
-          <a:effectRef idx="0">
-            <a:schemeClr val="accent1"/>
-          </a:effectRef>
-          <a:fontRef idx="minor">
-            <a:schemeClr val="tx1"/>
-          </a:fontRef>
-        </p:style>
-      </p:cxnSp>
-      <p:sp>
-        <p:nvSpPr>
-          <p:cNvPr id="22" name="TextBox 21">
-            <a:extLst>
-              <a:ext uri="{FF2B5EF4-FFF2-40B4-BE49-F238E27FC236}">
-                <a16:creationId xmlns:a16="http://schemas.microsoft.com/office/drawing/2014/main" id="{2F6E0C5C-40D4-7B4B-9393-66A993D256C7}"/>
-              </a:ext>
-            </a:extLst>
-          </p:cNvPr>
-          <p:cNvSpPr txBox="1"/>
-          <p:nvPr/>
-        </p:nvSpPr>
-        <p:spPr>
-          <a:xfrm>
-            <a:off x="7292188" y="2586676"/>
-            <a:ext cx="651140" cy="369332"/>
-          </a:xfrm>
-          <a:prstGeom prst="rect">
-            <a:avLst/>
-          </a:prstGeom>
-          <a:noFill/>
-        </p:spPr>
-        <p:txBody>
-          <a:bodyPr wrap="none" rtlCol="0">
-            <a:spAutoFit/>
-          </a:bodyPr>
-          <a:lstStyle/>
-          <a:p>
-            <a:r>
-              <a:rPr lang="en-US" dirty="0"/>
-              <a:t>Y_p1</a:t>
-            </a:r>
-          </a:p>
-        </p:txBody>
-      </p:sp>
-      <p:sp>
-        <p:nvSpPr>
-          <p:cNvPr id="23" name="TextBox 22">
-            <a:extLst>
-              <a:ext uri="{FF2B5EF4-FFF2-40B4-BE49-F238E27FC236}">
-                <a16:creationId xmlns:a16="http://schemas.microsoft.com/office/drawing/2014/main" id="{2C153F23-C94F-2E4F-BAC5-DE552F206BA0}"/>
-              </a:ext>
-            </a:extLst>
-          </p:cNvPr>
-          <p:cNvSpPr txBox="1"/>
-          <p:nvPr/>
-        </p:nvSpPr>
-        <p:spPr>
-          <a:xfrm>
-            <a:off x="8828380" y="2586676"/>
-            <a:ext cx="683200" cy="369332"/>
-          </a:xfrm>
-          <a:prstGeom prst="rect">
-            <a:avLst/>
-          </a:prstGeom>
-          <a:noFill/>
-        </p:spPr>
-        <p:txBody>
-          <a:bodyPr wrap="none" rtlCol="0">
-            <a:spAutoFit/>
-          </a:bodyPr>
-          <a:lstStyle/>
-          <a:p>
-            <a:r>
-              <a:rPr lang="en-US" dirty="0"/>
-              <a:t>H_p1</a:t>
-            </a:r>
-          </a:p>
-        </p:txBody>
-      </p:sp>
       <p:grpSp>
         <p:nvGrpSpPr>
-          <p:cNvPr id="28" name="Group 27">
-            <a:extLst>
-              <a:ext uri="{FF2B5EF4-FFF2-40B4-BE49-F238E27FC236}">
-                <a16:creationId xmlns:a16="http://schemas.microsoft.com/office/drawing/2014/main" id="{C54EB83B-F357-1848-9DA6-7EF23A75EA94}"/>
+          <p:cNvPr id="6" name="Group 5">
+            <a:extLst>
+              <a:ext uri="{FF2B5EF4-FFF2-40B4-BE49-F238E27FC236}">
+                <a16:creationId xmlns:a16="http://schemas.microsoft.com/office/drawing/2014/main" id="{5124832F-A114-8846-97CC-18128EB1502F}"/>
               </a:ext>
             </a:extLst>
           </p:cNvPr>
@@ -3862,7 +3574,288 @@
         </p:nvGrpSpPr>
         <p:grpSpPr>
           <a:xfrm>
-            <a:off x="7194176" y="3832412"/>
+            <a:off x="7194176" y="3229450"/>
+            <a:ext cx="2359959" cy="847165"/>
+            <a:chOff x="7194176" y="3477808"/>
+            <a:chExt cx="2359959" cy="847165"/>
+          </a:xfrm>
+        </p:grpSpPr>
+        <p:sp>
+          <p:nvSpPr>
+            <p:cNvPr id="4" name="Oval 3">
+              <a:extLst>
+                <a:ext uri="{FF2B5EF4-FFF2-40B4-BE49-F238E27FC236}">
+                  <a16:creationId xmlns:a16="http://schemas.microsoft.com/office/drawing/2014/main" id="{C8DDFA2D-B44C-F943-BAD5-B7B869ED5FC1}"/>
+                </a:ext>
+              </a:extLst>
+            </p:cNvPr>
+            <p:cNvSpPr/>
+            <p:nvPr/>
+          </p:nvSpPr>
+          <p:spPr>
+            <a:xfrm>
+              <a:off x="7194176" y="3477808"/>
+              <a:ext cx="847165" cy="847165"/>
+            </a:xfrm>
+            <a:prstGeom prst="ellipse">
+              <a:avLst/>
+            </a:prstGeom>
+            <a:solidFill>
+              <a:srgbClr val="FFC000"/>
+            </a:solidFill>
+            <a:ln>
+              <a:noFill/>
+            </a:ln>
+          </p:spPr>
+          <p:style>
+            <a:lnRef idx="2">
+              <a:schemeClr val="accent1">
+                <a:shade val="50000"/>
+              </a:schemeClr>
+            </a:lnRef>
+            <a:fillRef idx="1">
+              <a:schemeClr val="accent1"/>
+            </a:fillRef>
+            <a:effectRef idx="0">
+              <a:schemeClr val="accent1"/>
+            </a:effectRef>
+            <a:fontRef idx="minor">
+              <a:schemeClr val="lt1"/>
+            </a:fontRef>
+          </p:style>
+          <p:txBody>
+            <a:bodyPr rtlCol="0" anchor="ctr"/>
+            <a:lstStyle/>
+            <a:p>
+              <a:pPr algn="ctr"/>
+              <a:endParaRPr lang="en-US"/>
+            </a:p>
+          </p:txBody>
+        </p:sp>
+        <p:sp>
+          <p:nvSpPr>
+            <p:cNvPr id="5" name="Oval 4">
+              <a:extLst>
+                <a:ext uri="{FF2B5EF4-FFF2-40B4-BE49-F238E27FC236}">
+                  <a16:creationId xmlns:a16="http://schemas.microsoft.com/office/drawing/2014/main" id="{05BA3E18-C406-334B-A15D-78C9046CA40D}"/>
+                </a:ext>
+              </a:extLst>
+            </p:cNvPr>
+            <p:cNvSpPr/>
+            <p:nvPr/>
+          </p:nvSpPr>
+          <p:spPr>
+            <a:xfrm>
+              <a:off x="8706970" y="3477808"/>
+              <a:ext cx="847165" cy="847165"/>
+            </a:xfrm>
+            <a:prstGeom prst="ellipse">
+              <a:avLst/>
+            </a:prstGeom>
+            <a:solidFill>
+              <a:srgbClr val="00B0F0"/>
+            </a:solidFill>
+            <a:ln>
+              <a:noFill/>
+            </a:ln>
+          </p:spPr>
+          <p:style>
+            <a:lnRef idx="2">
+              <a:schemeClr val="accent1">
+                <a:shade val="50000"/>
+              </a:schemeClr>
+            </a:lnRef>
+            <a:fillRef idx="1">
+              <a:schemeClr val="accent1"/>
+            </a:fillRef>
+            <a:effectRef idx="0">
+              <a:schemeClr val="accent1"/>
+            </a:effectRef>
+            <a:fontRef idx="minor">
+              <a:schemeClr val="lt1"/>
+            </a:fontRef>
+          </p:style>
+          <p:txBody>
+            <a:bodyPr rtlCol="0" anchor="ctr"/>
+            <a:lstStyle/>
+            <a:p>
+              <a:pPr algn="ctr"/>
+              <a:endParaRPr lang="en-US"/>
+            </a:p>
+          </p:txBody>
+        </p:sp>
+        <p:cxnSp>
+          <p:nvCxnSpPr>
+            <p:cNvPr id="12" name="Straight Arrow Connector 11">
+              <a:extLst>
+                <a:ext uri="{FF2B5EF4-FFF2-40B4-BE49-F238E27FC236}">
+                  <a16:creationId xmlns:a16="http://schemas.microsoft.com/office/drawing/2014/main" id="{B95A1945-A59E-C249-BEAA-61C498D512F5}"/>
+                </a:ext>
+              </a:extLst>
+            </p:cNvPr>
+            <p:cNvCxnSpPr/>
+            <p:nvPr/>
+          </p:nvCxnSpPr>
+          <p:spPr>
+            <a:xfrm>
+              <a:off x="8162365" y="3719855"/>
+              <a:ext cx="443753" cy="0"/>
+            </a:xfrm>
+            <a:prstGeom prst="straightConnector1">
+              <a:avLst/>
+            </a:prstGeom>
+            <a:ln w="63500">
+              <a:solidFill>
+                <a:srgbClr val="00B050"/>
+              </a:solidFill>
+              <a:tailEnd type="triangle"/>
+            </a:ln>
+          </p:spPr>
+          <p:style>
+            <a:lnRef idx="1">
+              <a:schemeClr val="accent1"/>
+            </a:lnRef>
+            <a:fillRef idx="0">
+              <a:schemeClr val="accent1"/>
+            </a:fillRef>
+            <a:effectRef idx="0">
+              <a:schemeClr val="accent1"/>
+            </a:effectRef>
+            <a:fontRef idx="minor">
+              <a:schemeClr val="tx1"/>
+            </a:fontRef>
+          </p:style>
+        </p:cxnSp>
+        <p:cxnSp>
+          <p:nvCxnSpPr>
+            <p:cNvPr id="13" name="Straight Arrow Connector 12">
+              <a:extLst>
+                <a:ext uri="{FF2B5EF4-FFF2-40B4-BE49-F238E27FC236}">
+                  <a16:creationId xmlns:a16="http://schemas.microsoft.com/office/drawing/2014/main" id="{9D77A85C-E96A-8F42-8569-E452BED3AF6D}"/>
+                </a:ext>
+              </a:extLst>
+            </p:cNvPr>
+            <p:cNvCxnSpPr>
+              <a:cxnSpLocks/>
+            </p:cNvCxnSpPr>
+            <p:nvPr/>
+          </p:nvCxnSpPr>
+          <p:spPr>
+            <a:xfrm flipH="1">
+              <a:off x="8162365" y="4018835"/>
+              <a:ext cx="395903" cy="0"/>
+            </a:xfrm>
+            <a:prstGeom prst="straightConnector1">
+              <a:avLst/>
+            </a:prstGeom>
+            <a:ln w="63500">
+              <a:solidFill>
+                <a:srgbClr val="00B050"/>
+              </a:solidFill>
+              <a:tailEnd type="triangle"/>
+            </a:ln>
+          </p:spPr>
+          <p:style>
+            <a:lnRef idx="1">
+              <a:schemeClr val="accent1"/>
+            </a:lnRef>
+            <a:fillRef idx="0">
+              <a:schemeClr val="accent1"/>
+            </a:fillRef>
+            <a:effectRef idx="0">
+              <a:schemeClr val="accent1"/>
+            </a:effectRef>
+            <a:fontRef idx="minor">
+              <a:schemeClr val="tx1"/>
+            </a:fontRef>
+          </p:style>
+        </p:cxnSp>
+        <p:sp>
+          <p:nvSpPr>
+            <p:cNvPr id="22" name="TextBox 21">
+              <a:extLst>
+                <a:ext uri="{FF2B5EF4-FFF2-40B4-BE49-F238E27FC236}">
+                  <a16:creationId xmlns:a16="http://schemas.microsoft.com/office/drawing/2014/main" id="{2F6E0C5C-40D4-7B4B-9393-66A993D256C7}"/>
+                </a:ext>
+              </a:extLst>
+            </p:cNvPr>
+            <p:cNvSpPr txBox="1"/>
+            <p:nvPr/>
+          </p:nvSpPr>
+          <p:spPr>
+            <a:xfrm>
+              <a:off x="7292188" y="3738143"/>
+              <a:ext cx="651140" cy="369332"/>
+            </a:xfrm>
+            <a:prstGeom prst="rect">
+              <a:avLst/>
+            </a:prstGeom>
+            <a:noFill/>
+          </p:spPr>
+          <p:txBody>
+            <a:bodyPr wrap="none" rtlCol="0">
+              <a:spAutoFit/>
+            </a:bodyPr>
+            <a:lstStyle/>
+            <a:p>
+              <a:r>
+                <a:rPr lang="en-US" dirty="0"/>
+                <a:t>Y_p1</a:t>
+              </a:r>
+            </a:p>
+          </p:txBody>
+        </p:sp>
+        <p:sp>
+          <p:nvSpPr>
+            <p:cNvPr id="23" name="TextBox 22">
+              <a:extLst>
+                <a:ext uri="{FF2B5EF4-FFF2-40B4-BE49-F238E27FC236}">
+                  <a16:creationId xmlns:a16="http://schemas.microsoft.com/office/drawing/2014/main" id="{2C153F23-C94F-2E4F-BAC5-DE552F206BA0}"/>
+                </a:ext>
+              </a:extLst>
+            </p:cNvPr>
+            <p:cNvSpPr txBox="1"/>
+            <p:nvPr/>
+          </p:nvSpPr>
+          <p:spPr>
+            <a:xfrm>
+              <a:off x="8828380" y="3738143"/>
+              <a:ext cx="683200" cy="369332"/>
+            </a:xfrm>
+            <a:prstGeom prst="rect">
+              <a:avLst/>
+            </a:prstGeom>
+            <a:noFill/>
+          </p:spPr>
+          <p:txBody>
+            <a:bodyPr wrap="none" rtlCol="0">
+              <a:spAutoFit/>
+            </a:bodyPr>
+            <a:lstStyle/>
+            <a:p>
+              <a:r>
+                <a:rPr lang="en-US" dirty="0"/>
+                <a:t>H_p1</a:t>
+              </a:r>
+            </a:p>
+          </p:txBody>
+        </p:sp>
+      </p:grpSp>
+      <p:grpSp>
+        <p:nvGrpSpPr>
+          <p:cNvPr id="28" name="Group 27">
+            <a:extLst>
+              <a:ext uri="{FF2B5EF4-FFF2-40B4-BE49-F238E27FC236}">
+                <a16:creationId xmlns:a16="http://schemas.microsoft.com/office/drawing/2014/main" id="{C54EB83B-F357-1848-9DA6-7EF23A75EA94}"/>
+              </a:ext>
+            </a:extLst>
+          </p:cNvPr>
+          <p:cNvGrpSpPr/>
+          <p:nvPr/>
+        </p:nvGrpSpPr>
+        <p:grpSpPr>
+          <a:xfrm>
+            <a:off x="7194176" y="4983879"/>
             <a:ext cx="3872753" cy="847165"/>
             <a:chOff x="7194176" y="3832412"/>
             <a:chExt cx="3872753" cy="847165"/>
@@ -4318,7 +4311,7 @@
         </p:nvSpPr>
         <p:spPr>
           <a:xfrm>
-            <a:off x="838200" y="3573402"/>
+            <a:off x="838200" y="4724869"/>
             <a:ext cx="10515600" cy="1373223"/>
           </a:xfrm>
           <a:prstGeom prst="rect">
@@ -4519,6 +4512,205 @@
           </a:p>
         </p:txBody>
       </p:sp>
+      <p:sp>
+        <p:nvSpPr>
+          <p:cNvPr id="48" name="Content Placeholder 2">
+            <a:extLst>
+              <a:ext uri="{FF2B5EF4-FFF2-40B4-BE49-F238E27FC236}">
+                <a16:creationId xmlns:a16="http://schemas.microsoft.com/office/drawing/2014/main" id="{61F1ED8C-EDA3-AC49-A4C3-628C4E478495}"/>
+              </a:ext>
+            </a:extLst>
+          </p:cNvPr>
+          <p:cNvSpPr txBox="1">
+            <a:spLocks/>
+          </p:cNvSpPr>
+          <p:nvPr/>
+        </p:nvSpPr>
+        <p:spPr>
+          <a:xfrm>
+            <a:off x="838200" y="1887087"/>
+            <a:ext cx="10515600" cy="1373223"/>
+          </a:xfrm>
+          <a:prstGeom prst="rect">
+            <a:avLst/>
+          </a:prstGeom>
+        </p:spPr>
+        <p:txBody>
+          <a:bodyPr vert="horz" lIns="91440" tIns="45720" rIns="91440" bIns="45720" rtlCol="0">
+            <a:normAutofit/>
+          </a:bodyPr>
+          <a:lstStyle>
+            <a:lvl1pPr marL="228600" indent="-228600" algn="l" defTabSz="914400" rtl="0" eaLnBrk="1" latinLnBrk="0" hangingPunct="1">
+              <a:lnSpc>
+                <a:spcPct val="90000"/>
+              </a:lnSpc>
+              <a:spcBef>
+                <a:spcPts val="1000"/>
+              </a:spcBef>
+              <a:buFont typeface="Arial" panose="020B0604020202020204" pitchFamily="34" charset="0"/>
+              <a:buChar char="•"/>
+              <a:defRPr sz="2800" kern="1200">
+                <a:solidFill>
+                  <a:schemeClr val="tx1"/>
+                </a:solidFill>
+                <a:latin typeface="+mn-lt"/>
+                <a:ea typeface="+mn-ea"/>
+                <a:cs typeface="+mn-cs"/>
+              </a:defRPr>
+            </a:lvl1pPr>
+            <a:lvl2pPr marL="685800" indent="-228600" algn="l" defTabSz="914400" rtl="0" eaLnBrk="1" latinLnBrk="0" hangingPunct="1">
+              <a:lnSpc>
+                <a:spcPct val="90000"/>
+              </a:lnSpc>
+              <a:spcBef>
+                <a:spcPts val="500"/>
+              </a:spcBef>
+              <a:buFont typeface="Arial" panose="020B0604020202020204" pitchFamily="34" charset="0"/>
+              <a:buChar char="•"/>
+              <a:defRPr sz="2400" kern="1200">
+                <a:solidFill>
+                  <a:schemeClr val="tx1"/>
+                </a:solidFill>
+                <a:latin typeface="+mn-lt"/>
+                <a:ea typeface="+mn-ea"/>
+                <a:cs typeface="+mn-cs"/>
+              </a:defRPr>
+            </a:lvl2pPr>
+            <a:lvl3pPr marL="1143000" indent="-228600" algn="l" defTabSz="914400" rtl="0" eaLnBrk="1" latinLnBrk="0" hangingPunct="1">
+              <a:lnSpc>
+                <a:spcPct val="90000"/>
+              </a:lnSpc>
+              <a:spcBef>
+                <a:spcPts val="500"/>
+              </a:spcBef>
+              <a:buFont typeface="Arial" panose="020B0604020202020204" pitchFamily="34" charset="0"/>
+              <a:buChar char="•"/>
+              <a:defRPr sz="2000" kern="1200">
+                <a:solidFill>
+                  <a:schemeClr val="tx1"/>
+                </a:solidFill>
+                <a:latin typeface="+mn-lt"/>
+                <a:ea typeface="+mn-ea"/>
+                <a:cs typeface="+mn-cs"/>
+              </a:defRPr>
+            </a:lvl3pPr>
+            <a:lvl4pPr marL="1600200" indent="-228600" algn="l" defTabSz="914400" rtl="0" eaLnBrk="1" latinLnBrk="0" hangingPunct="1">
+              <a:lnSpc>
+                <a:spcPct val="90000"/>
+              </a:lnSpc>
+              <a:spcBef>
+                <a:spcPts val="500"/>
+              </a:spcBef>
+              <a:buFont typeface="Arial" panose="020B0604020202020204" pitchFamily="34" charset="0"/>
+              <a:buChar char="•"/>
+              <a:defRPr sz="1800" kern="1200">
+                <a:solidFill>
+                  <a:schemeClr val="tx1"/>
+                </a:solidFill>
+                <a:latin typeface="+mn-lt"/>
+                <a:ea typeface="+mn-ea"/>
+                <a:cs typeface="+mn-cs"/>
+              </a:defRPr>
+            </a:lvl4pPr>
+            <a:lvl5pPr marL="2057400" indent="-228600" algn="l" defTabSz="914400" rtl="0" eaLnBrk="1" latinLnBrk="0" hangingPunct="1">
+              <a:lnSpc>
+                <a:spcPct val="90000"/>
+              </a:lnSpc>
+              <a:spcBef>
+                <a:spcPts val="500"/>
+              </a:spcBef>
+              <a:buFont typeface="Arial" panose="020B0604020202020204" pitchFamily="34" charset="0"/>
+              <a:buChar char="•"/>
+              <a:defRPr sz="1800" kern="1200">
+                <a:solidFill>
+                  <a:schemeClr val="tx1"/>
+                </a:solidFill>
+                <a:latin typeface="+mn-lt"/>
+                <a:ea typeface="+mn-ea"/>
+                <a:cs typeface="+mn-cs"/>
+              </a:defRPr>
+            </a:lvl5pPr>
+            <a:lvl6pPr marL="2514600" indent="-228600" algn="l" defTabSz="914400" rtl="0" eaLnBrk="1" latinLnBrk="0" hangingPunct="1">
+              <a:lnSpc>
+                <a:spcPct val="90000"/>
+              </a:lnSpc>
+              <a:spcBef>
+                <a:spcPts val="500"/>
+              </a:spcBef>
+              <a:buFont typeface="Arial" panose="020B0604020202020204" pitchFamily="34" charset="0"/>
+              <a:buChar char="•"/>
+              <a:defRPr sz="1800" kern="1200">
+                <a:solidFill>
+                  <a:schemeClr val="tx1"/>
+                </a:solidFill>
+                <a:latin typeface="+mn-lt"/>
+                <a:ea typeface="+mn-ea"/>
+                <a:cs typeface="+mn-cs"/>
+              </a:defRPr>
+            </a:lvl6pPr>
+            <a:lvl7pPr marL="2971800" indent="-228600" algn="l" defTabSz="914400" rtl="0" eaLnBrk="1" latinLnBrk="0" hangingPunct="1">
+              <a:lnSpc>
+                <a:spcPct val="90000"/>
+              </a:lnSpc>
+              <a:spcBef>
+                <a:spcPts val="500"/>
+              </a:spcBef>
+              <a:buFont typeface="Arial" panose="020B0604020202020204" pitchFamily="34" charset="0"/>
+              <a:buChar char="•"/>
+              <a:defRPr sz="1800" kern="1200">
+                <a:solidFill>
+                  <a:schemeClr val="tx1"/>
+                </a:solidFill>
+                <a:latin typeface="+mn-lt"/>
+                <a:ea typeface="+mn-ea"/>
+                <a:cs typeface="+mn-cs"/>
+              </a:defRPr>
+            </a:lvl7pPr>
+            <a:lvl8pPr marL="3429000" indent="-228600" algn="l" defTabSz="914400" rtl="0" eaLnBrk="1" latinLnBrk="0" hangingPunct="1">
+              <a:lnSpc>
+                <a:spcPct val="90000"/>
+              </a:lnSpc>
+              <a:spcBef>
+                <a:spcPts val="500"/>
+              </a:spcBef>
+              <a:buFont typeface="Arial" panose="020B0604020202020204" pitchFamily="34" charset="0"/>
+              <a:buChar char="•"/>
+              <a:defRPr sz="1800" kern="1200">
+                <a:solidFill>
+                  <a:schemeClr val="tx1"/>
+                </a:solidFill>
+                <a:latin typeface="+mn-lt"/>
+                <a:ea typeface="+mn-ea"/>
+                <a:cs typeface="+mn-cs"/>
+              </a:defRPr>
+            </a:lvl8pPr>
+            <a:lvl9pPr marL="3886200" indent="-228600" algn="l" defTabSz="914400" rtl="0" eaLnBrk="1" latinLnBrk="0" hangingPunct="1">
+              <a:lnSpc>
+                <a:spcPct val="90000"/>
+              </a:lnSpc>
+              <a:spcBef>
+                <a:spcPts val="500"/>
+              </a:spcBef>
+              <a:buFont typeface="Arial" panose="020B0604020202020204" pitchFamily="34" charset="0"/>
+              <a:buChar char="•"/>
+              <a:defRPr sz="1800" kern="1200">
+                <a:solidFill>
+                  <a:schemeClr val="tx1"/>
+                </a:solidFill>
+                <a:latin typeface="+mn-lt"/>
+                <a:ea typeface="+mn-ea"/>
+                <a:cs typeface="+mn-cs"/>
+              </a:defRPr>
+            </a:lvl9pPr>
+          </a:lstStyle>
+          <a:p>
+            <a:r>
+              <a:rPr lang="en-US" dirty="0"/>
+              <a:t>Ortholog = genes in different species evolved from a common ancestral gene</a:t>
+            </a:r>
+          </a:p>
+        </p:txBody>
+      </p:sp>
     </p:spTree>
     <p:extLst>
       <p:ext uri="{BB962C8B-B14F-4D97-AF65-F5344CB8AC3E}">
@@ -4563,6 +4755,144 @@
                                           </p:stCondLst>
                                         </p:cTn>
                                         <p:tgtEl>
+                                          <p:spTgt spid="3">
+                                            <p:txEl>
+                                              <p:pRg st="0" end="0"/>
+                                            </p:txEl>
+                                          </p:spTgt>
+                                        </p:tgtEl>
+                                        <p:attrNameLst>
+                                          <p:attrName>style.visibility</p:attrName>
+                                        </p:attrNameLst>
+                                      </p:cBhvr>
+                                      <p:to>
+                                        <p:strVal val="visible"/>
+                                      </p:to>
+                                    </p:set>
+                                  </p:childTnLst>
+                                </p:cTn>
+                              </p:par>
+                              <p:par>
+                                <p:cTn id="7" presetID="1" presetClass="entr" presetSubtype="0" fill="hold" grpId="0" nodeType="withEffect">
+                                  <p:stCondLst>
+                                    <p:cond delay="0"/>
+                                  </p:stCondLst>
+                                  <p:childTnLst>
+                                    <p:set>
+                                      <p:cBhvr>
+                                        <p:cTn id="8" dur="1" fill="hold">
+                                          <p:stCondLst>
+                                            <p:cond delay="0"/>
+                                          </p:stCondLst>
+                                        </p:cTn>
+                                        <p:tgtEl>
+                                          <p:spTgt spid="3">
+                                            <p:txEl>
+                                              <p:pRg st="1" end="1"/>
+                                            </p:txEl>
+                                          </p:spTgt>
+                                        </p:tgtEl>
+                                        <p:attrNameLst>
+                                          <p:attrName>style.visibility</p:attrName>
+                                        </p:attrNameLst>
+                                      </p:cBhvr>
+                                      <p:to>
+                                        <p:strVal val="visible"/>
+                                      </p:to>
+                                    </p:set>
+                                  </p:childTnLst>
+                                </p:cTn>
+                              </p:par>
+                              <p:par>
+                                <p:cTn id="9" presetID="1" presetClass="entr" presetSubtype="0" fill="hold" grpId="0" nodeType="withEffect">
+                                  <p:stCondLst>
+                                    <p:cond delay="0"/>
+                                  </p:stCondLst>
+                                  <p:childTnLst>
+                                    <p:set>
+                                      <p:cBhvr>
+                                        <p:cTn id="10" dur="1" fill="hold">
+                                          <p:stCondLst>
+                                            <p:cond delay="0"/>
+                                          </p:stCondLst>
+                                        </p:cTn>
+                                        <p:tgtEl>
+                                          <p:spTgt spid="3">
+                                            <p:txEl>
+                                              <p:pRg st="2" end="2"/>
+                                            </p:txEl>
+                                          </p:spTgt>
+                                        </p:tgtEl>
+                                        <p:attrNameLst>
+                                          <p:attrName>style.visibility</p:attrName>
+                                        </p:attrNameLst>
+                                      </p:cBhvr>
+                                      <p:to>
+                                        <p:strVal val="visible"/>
+                                      </p:to>
+                                    </p:set>
+                                  </p:childTnLst>
+                                </p:cTn>
+                              </p:par>
+                              <p:par>
+                                <p:cTn id="11" presetID="1" presetClass="entr" presetSubtype="0" fill="hold" nodeType="withEffect">
+                                  <p:stCondLst>
+                                    <p:cond delay="0"/>
+                                  </p:stCondLst>
+                                  <p:childTnLst>
+                                    <p:set>
+                                      <p:cBhvr>
+                                        <p:cTn id="12" dur="1" fill="hold">
+                                          <p:stCondLst>
+                                            <p:cond delay="0"/>
+                                          </p:stCondLst>
+                                        </p:cTn>
+                                        <p:tgtEl>
+                                          <p:spTgt spid="6"/>
+                                        </p:tgtEl>
+                                        <p:attrNameLst>
+                                          <p:attrName>style.visibility</p:attrName>
+                                        </p:attrNameLst>
+                                      </p:cBhvr>
+                                      <p:to>
+                                        <p:strVal val="visible"/>
+                                      </p:to>
+                                    </p:set>
+                                  </p:childTnLst>
+                                </p:cTn>
+                              </p:par>
+                            </p:childTnLst>
+                          </p:cTn>
+                        </p:par>
+                      </p:childTnLst>
+                    </p:cTn>
+                  </p:par>
+                  <p:par>
+                    <p:cTn id="13" fill="hold">
+                      <p:stCondLst>
+                        <p:cond delay="indefinite"/>
+                      </p:stCondLst>
+                      <p:childTnLst>
+                        <p:par>
+                          <p:cTn id="14" fill="hold">
+                            <p:stCondLst>
+                              <p:cond delay="0"/>
+                            </p:stCondLst>
+                            <p:childTnLst>
+                              <p:par>
+                                <p:cTn id="15" presetID="1" presetClass="entr" presetSubtype="0" fill="hold" grpId="0" nodeType="clickEffect">
+                                  <p:stCondLst>
+                                    <p:cond delay="0"/>
+                                  </p:stCondLst>
+                                  <p:childTnLst>
+                                    <p:set>
+                                      <p:cBhvr>
+                                        <p:cTn id="16" dur="1" fill="hold">
+                                          <p:stCondLst>
+                                            <p:cond delay="0"/>
+                                          </p:stCondLst>
+                                        </p:cTn>
+                                        <p:tgtEl>
                                           <p:spTgt spid="29"/>
                                         </p:tgtEl>
                                         <p:attrNameLst>
@@ -4577,14 +4907,14 @@
                                 </p:cTn>
                               </p:par>
                               <p:par>
-                                <p:cTn id="7" presetID="1" presetClass="entr" presetSubtype="0" fill="hold" nodeType="withEffect">
+                                <p:cTn id="17" presetID="1" presetClass="entr" presetSubtype="0" fill="hold" nodeType="withEffect">
                                   <p:stCondLst>
                                     <p:cond delay="0"/>
                                   </p:stCondLst>
                                   <p:childTnLst>
                                     <p:set>
                                       <p:cBhvr>
-                                        <p:cTn id="8" dur="1" fill="hold">
+                                        <p:cTn id="18" dur="1" fill="hold">
                                           <p:stCondLst>
                                             <p:cond delay="0"/>
                                           </p:stCondLst>
@@ -4631,6 +4961,7 @@
       </p:par>
     </p:tnLst>
     <p:bldLst>
+      <p:bldP spid="3" grpId="0" build="p"/>
       <p:bldP spid="29" grpId="0"/>
     </p:bldLst>
   </p:timing>
@@ -5143,6 +5474,13 @@
           <a:p>
             <a:r>
               <a:rPr lang="en-US" dirty="0"/>
+              <a:t>Input data:</a:t>
+            </a:r>
+          </a:p>
+          <a:p>
+            <a:pPr lvl="1"/>
+            <a:r>
+              <a:rPr lang="en-US" dirty="0"/>
               <a:t>Humans: </a:t>
             </a:r>
             <a:r>
@@ -5151,7 +5489,30 @@
             </a:r>
             <a:r>
               <a:rPr lang="en-US" dirty="0"/>
-              <a:t> </a:t>
+              <a:t> Proteins GRCh38, 113275 proteins </a:t>
+            </a:r>
+          </a:p>
+          <a:p>
+            <a:pPr lvl="1"/>
+            <a:r>
+              <a:rPr lang="en-US" dirty="0"/>
+              <a:t>Yeast: </a:t>
+            </a:r>
+            <a:r>
+              <a:rPr lang="en-US" dirty="0" err="1"/>
+              <a:t>RefSeq</a:t>
+            </a:r>
+            <a:r>
+              <a:rPr lang="en-US" dirty="0"/>
+              <a:t> Proteins, 600</a:t>
+            </a:r>
+            <a:r>
+              <a:rPr lang="en-US" i="1" dirty="0"/>
+              <a:t>2 </a:t>
+            </a:r>
+            <a:r>
+              <a:rPr lang="en-US" dirty="0"/>
+              <a:t>proteins</a:t>
             </a:r>
           </a:p>
         </p:txBody>
@@ -5171,13 +5532,13 @@
           <p:nvPr>
             <p:extLst>
               <p:ext uri="{D42A27DB-BD31-4B8C-83A1-F6EECF244321}">
-                <p14:modId xmlns:p14="http://schemas.microsoft.com/office/powerpoint/2010/main" val="3276344830"/>
+                <p14:modId xmlns:p14="http://schemas.microsoft.com/office/powerpoint/2010/main" val="3623134575"/>
               </p:ext>
             </p:extLst>
           </p:nvPr>
         </p:nvGraphicFramePr>
         <p:xfrm>
-          <a:off x="625532" y="3865717"/>
+          <a:off x="625532" y="3505232"/>
           <a:ext cx="10940936" cy="2560320"/>
         </p:xfrm>
         <a:graphic>
@@ -5718,6 +6079,81 @@
   <p:clrMapOvr>
     <a:masterClrMapping/>
   </p:clrMapOvr>
+  <p:timing>
+    <p:tnLst>
+      <p:par>
+        <p:cTn id="1" dur="indefinite" restart="never" nodeType="tmRoot">
+          <p:childTnLst>
+            <p:seq concurrent="1" nextAc="seek">
+              <p:cTn id="2" dur="indefinite" nodeType="mainSeq">
+                <p:childTnLst>
+                  <p:par>
+                    <p:cTn id="3" fill="hold">
+                      <p:stCondLst>
+                        <p:cond delay="indefinite"/>
+                      </p:stCondLst>
+                      <p:childTnLst>
+                        <p:par>
+                          <p:cTn id="4" fill="hold">
+                            <p:stCondLst>
+                              <p:cond delay="0"/>
+                            </p:stCondLst>
+                            <p:childTnLst>
+                              <p:par>
+                                <p:cTn id="5" presetID="1" presetClass="entr" presetSubtype="0" fill="hold" nodeType="clickEffect">
+                                  <p:stCondLst>
+                                    <p:cond delay="0"/>
+                                  </p:stCondLst>
+                                  <p:childTnLst>
+                                    <p:set>
+                                      <p:cBhvr>
+                                        <p:cTn id="6" dur="1" fill="hold">
+                                          <p:stCondLst>
+                                            <p:cond delay="0"/>
+                                          </p:stCondLst>
+                                        </p:cTn>
+                                        <p:tgtEl>
+                                          <p:spTgt spid="4"/>
+                                        </p:tgtEl>
+                                        <p:attrNameLst>
+                                          <p:attrName>style.visibility</p:attrName>
+                                        </p:attrNameLst>
+                                      </p:cBhvr>
+                                      <p:to>
+                                        <p:strVal val="visible"/>
+                                      </p:to>
+                                    </p:set>
+                                  </p:childTnLst>
+                                </p:cTn>
+                              </p:par>
+                            </p:childTnLst>
+                          </p:cTn>
+                        </p:par>
+                      </p:childTnLst>
+                    </p:cTn>
+                  </p:par>
+                </p:childTnLst>
+              </p:cTn>
+              <p:prevCondLst>
+                <p:cond evt="onPrev" delay="0">
+                  <p:tgtEl>
+                    <p:sldTgt/>
+                  </p:tgtEl>
+                </p:cond>
+              </p:prevCondLst>
+              <p:nextCondLst>
+                <p:cond evt="onNext" delay="0">
+                  <p:tgtEl>
+                    <p:sldTgt/>
+                  </p:tgtEl>
+                </p:cond>
+              </p:nextCondLst>
+            </p:seq>
+          </p:childTnLst>
+        </p:cTn>
+      </p:par>
+    </p:tnLst>
+  </p:timing>
 </p:sld>
 </file>
 
@@ -5786,6 +6222,140 @@
 </file>
 
 <file path=ppt/slides/slide6.xml><?xml version="1.0" encoding="utf-8"?>
+<p:sld xmlns:a="http://schemas.openxmlformats.org/drawingml/2006/main" xmlns:r="http://schemas.openxmlformats.org/officeDocument/2006/relationships" xmlns:p="http://schemas.openxmlformats.org/presentationml/2006/main">
+  <p:cSld>
+    <p:spTree>
+      <p:nvGrpSpPr>
+        <p:cNvPr id="1" name=""/>
+        <p:cNvGrpSpPr/>
+        <p:nvPr/>
+      </p:nvGrpSpPr>
+      <p:grpSpPr>
+        <a:xfrm>
+          <a:off x="0" y="0"/>
+          <a:ext cx="0" cy="0"/>
+          <a:chOff x="0" y="0"/>
+          <a:chExt cx="0" cy="0"/>
+        </a:xfrm>
+      </p:grpSpPr>
+      <p:sp>
+        <p:nvSpPr>
+          <p:cNvPr id="2" name="Title 1">
+            <a:extLst>
+              <a:ext uri="{FF2B5EF4-FFF2-40B4-BE49-F238E27FC236}">
+                <a16:creationId xmlns:a16="http://schemas.microsoft.com/office/drawing/2014/main" id="{0297EFFD-8904-0B49-BCEB-59184160D89F}"/>
+              </a:ext>
+            </a:extLst>
+          </p:cNvPr>
+          <p:cNvSpPr>
+            <a:spLocks noGrp="1"/>
+          </p:cNvSpPr>
+          <p:nvPr>
+            <p:ph type="title"/>
+          </p:nvPr>
+        </p:nvSpPr>
+        <p:spPr/>
+        <p:txBody>
+          <a:bodyPr/>
+          <a:lstStyle/>
+          <a:p>
+            <a:r>
+              <a:rPr lang="en-US" dirty="0"/>
+              <a:t>Testing</a:t>
+            </a:r>
+          </a:p>
+        </p:txBody>
+      </p:sp>
+      <p:sp>
+        <p:nvSpPr>
+          <p:cNvPr id="3" name="Content Placeholder 2">
+            <a:extLst>
+              <a:ext uri="{FF2B5EF4-FFF2-40B4-BE49-F238E27FC236}">
+                <a16:creationId xmlns:a16="http://schemas.microsoft.com/office/drawing/2014/main" id="{495BE6D9-82D1-2B4C-B515-40577CB8BA1E}"/>
+              </a:ext>
+            </a:extLst>
+          </p:cNvPr>
+          <p:cNvSpPr>
+            <a:spLocks noGrp="1"/>
+          </p:cNvSpPr>
+          <p:nvPr>
+            <p:ph idx="1"/>
+          </p:nvPr>
+        </p:nvSpPr>
+        <p:spPr/>
+        <p:txBody>
+          <a:bodyPr/>
+          <a:lstStyle/>
+          <a:p>
+            <a:r>
+              <a:rPr lang="en-US" dirty="0"/>
+              <a:t>Database construction pipeline</a:t>
+            </a:r>
+          </a:p>
+          <a:p>
+            <a:pPr lvl="1"/>
+            <a:r>
+              <a:rPr lang="en-US" dirty="0"/>
+              <a:t>Basic checks for existing input files</a:t>
+            </a:r>
+          </a:p>
+          <a:p>
+            <a:pPr lvl="1"/>
+            <a:r>
+              <a:rPr lang="en-US" dirty="0"/>
+              <a:t>Different input and output names</a:t>
+            </a:r>
+          </a:p>
+          <a:p>
+            <a:pPr lvl="1"/>
+            <a:r>
+              <a:rPr lang="en-US" dirty="0"/>
+              <a:t>Check proper input file format</a:t>
+            </a:r>
+          </a:p>
+          <a:p>
+            <a:r>
+              <a:rPr lang="en-US" dirty="0"/>
+              <a:t>Query database script</a:t>
+            </a:r>
+          </a:p>
+          <a:p>
+            <a:pPr lvl="1"/>
+            <a:r>
+              <a:rPr lang="en-US" dirty="0"/>
+              <a:t>Fake accession numbers</a:t>
+            </a:r>
+          </a:p>
+          <a:p>
+            <a:pPr lvl="1"/>
+            <a:r>
+              <a:rPr lang="en-US" dirty="0"/>
+              <a:t>Known orthologs - InParanoid8</a:t>
+            </a:r>
+          </a:p>
+          <a:p>
+            <a:pPr lvl="1"/>
+            <a:r>
+              <a:rPr lang="en-US" dirty="0"/>
+              <a:t>Known non-orthologous proteins</a:t>
+            </a:r>
+          </a:p>
+        </p:txBody>
+      </p:sp>
+    </p:spTree>
+    <p:extLst>
+      <p:ext uri="{BB962C8B-B14F-4D97-AF65-F5344CB8AC3E}">
+        <p14:creationId xmlns:p14="http://schemas.microsoft.com/office/powerpoint/2010/main" val="3346336671"/>
+      </p:ext>
+    </p:extLst>
+  </p:cSld>
+  <p:clrMapOvr>
+    <a:masterClrMapping/>
+  </p:clrMapOvr>
+</p:sld>
+</file>
+
+<file path=ppt/slides/slide7.xml><?xml version="1.0" encoding="utf-8"?>
 <p:sld xmlns:a="http://schemas.openxmlformats.org/drawingml/2006/main" xmlns:r="http://schemas.openxmlformats.org/officeDocument/2006/relationships" xmlns:p="http://schemas.openxmlformats.org/presentationml/2006/main">
   <p:cSld>
     <p:spTree>
